--- a/Lecture Slides/VideoLectureSlides/A_2.2.pptx
+++ b/Lecture Slides/VideoLectureSlides/A_2.2.pptx
@@ -16,8 +16,8 @@
     <p:sldId id="309" r:id="rId10"/>
     <p:sldId id="287" r:id="rId11"/>
     <p:sldId id="310" r:id="rId12"/>
-    <p:sldId id="311" r:id="rId13"/>
-    <p:sldId id="312" r:id="rId14"/>
+    <p:sldId id="312" r:id="rId13"/>
+    <p:sldId id="311" r:id="rId14"/>
   </p:sldIdLst>
   <p:sldSz cx="9144000" cy="6858000" type="screen4x3"/>
   <p:notesSz cx="6858000" cy="9144000"/>
@@ -473,7 +473,7 @@
           <a:p>
             <a:fld id="{1AA1AB63-216F-4D5B-8811-CCB935E98D4A}" type="datetimeFigureOut">
               <a:rPr lang="en-US" smtClean="0"/>
-              <a:t>6/15/2020</a:t>
+              <a:t>7/11/2025</a:t>
             </a:fld>
             <a:endParaRPr lang="en-US"/>
           </a:p>
@@ -4005,13 +4005,13 @@
         <p:spPr/>
         <p:txBody>
           <a:bodyPr>
-            <a:normAutofit fontScale="90000"/>
+            <a:normAutofit/>
           </a:bodyPr>
           <a:lstStyle/>
           <a:p>
             <a:r>
               <a:rPr lang="en-US" dirty="0"/>
-              <a:t>Finding the Centroid Practice Problem</a:t>
+              <a:t>Centroid Worked Example</a:t>
             </a:r>
           </a:p>
         </p:txBody>
@@ -4103,7 +4103,7 @@
         </p:nvSpPr>
         <p:spPr>
           <a:xfrm>
-            <a:off x="2062452" y="2895600"/>
+            <a:off x="2054485" y="2546183"/>
             <a:ext cx="288862" cy="369332"/>
           </a:xfrm>
           <a:prstGeom prst="rect">
@@ -4165,8 +4165,8 @@
         </p:nvCxnSpPr>
         <p:spPr>
           <a:xfrm flipV="1">
-            <a:off x="2198916" y="3266106"/>
-            <a:ext cx="0" cy="2807733"/>
+            <a:off x="2198916" y="3080266"/>
+            <a:ext cx="10884" cy="2993574"/>
           </a:xfrm>
           <a:prstGeom prst="straightConnector1">
             <a:avLst/>
@@ -4190,56 +4190,18 @@
           </a:fontRef>
         </p:style>
       </p:cxnSp>
-      <p:sp>
-        <p:nvSpPr>
-          <p:cNvPr id="11" name="Isosceles Triangle 10"/>
-          <p:cNvSpPr/>
-          <p:nvPr/>
-        </p:nvSpPr>
-        <p:spPr>
-          <a:xfrm>
-            <a:off x="2206883" y="4669972"/>
-            <a:ext cx="4114800" cy="1371600"/>
-          </a:xfrm>
-          <a:prstGeom prst="triangle">
-            <a:avLst>
-              <a:gd name="adj" fmla="val 33547"/>
-            </a:avLst>
-          </a:prstGeom>
-        </p:spPr>
-        <p:style>
-          <a:lnRef idx="1">
-            <a:schemeClr val="dk1"/>
-          </a:lnRef>
-          <a:fillRef idx="2">
-            <a:schemeClr val="dk1"/>
-          </a:fillRef>
-          <a:effectRef idx="1">
-            <a:schemeClr val="dk1"/>
-          </a:effectRef>
-          <a:fontRef idx="minor">
-            <a:schemeClr val="dk1"/>
-          </a:fontRef>
-        </p:style>
-        <p:txBody>
-          <a:bodyPr rtlCol="0" anchor="ctr"/>
-          <a:lstStyle/>
-          <a:p>
-            <a:pPr algn="ctr"/>
-            <a:endParaRPr lang="en-US"/>
-          </a:p>
-        </p:txBody>
-      </p:sp>
       <p:cxnSp>
         <p:nvCxnSpPr>
           <p:cNvPr id="13" name="Straight Connector 12"/>
-          <p:cNvCxnSpPr/>
+          <p:cNvCxnSpPr>
+            <a:cxnSpLocks/>
+          </p:cNvCxnSpPr>
           <p:nvPr/>
         </p:nvCxnSpPr>
         <p:spPr>
-          <a:xfrm flipV="1">
+          <a:xfrm>
             <a:off x="2209800" y="6408434"/>
-            <a:ext cx="4111883" cy="0"/>
+            <a:ext cx="4124234" cy="0"/>
           </a:xfrm>
           <a:prstGeom prst="line">
             <a:avLst/>
@@ -4292,43 +4254,13 @@
       </p:cxnSp>
       <p:cxnSp>
         <p:nvCxnSpPr>
-          <p:cNvPr id="17" name="Straight Connector 16"/>
-          <p:cNvCxnSpPr/>
-          <p:nvPr/>
-        </p:nvCxnSpPr>
-        <p:spPr>
-          <a:xfrm>
-            <a:off x="3592286" y="4800600"/>
-            <a:ext cx="0" cy="1905000"/>
-          </a:xfrm>
-          <a:prstGeom prst="line">
-            <a:avLst/>
-          </a:prstGeom>
-        </p:spPr>
-        <p:style>
-          <a:lnRef idx="1">
-            <a:schemeClr val="accent1"/>
-          </a:lnRef>
-          <a:fillRef idx="0">
-            <a:schemeClr val="accent1"/>
-          </a:fillRef>
-          <a:effectRef idx="0">
-            <a:schemeClr val="accent1"/>
-          </a:effectRef>
-          <a:fontRef idx="minor">
-            <a:schemeClr val="tx1"/>
-          </a:fontRef>
-        </p:style>
-      </p:cxnSp>
-      <p:cxnSp>
-        <p:nvCxnSpPr>
           <p:cNvPr id="19" name="Straight Connector 18"/>
           <p:cNvCxnSpPr/>
           <p:nvPr/>
         </p:nvCxnSpPr>
         <p:spPr>
           <a:xfrm>
-            <a:off x="6321683" y="6111268"/>
+            <a:off x="6324600" y="6125796"/>
             <a:ext cx="0" cy="594332"/>
           </a:xfrm>
           <a:prstGeom prst="line">
@@ -4353,13 +4285,15 @@
       <p:cxnSp>
         <p:nvCxnSpPr>
           <p:cNvPr id="21" name="Straight Connector 20"/>
-          <p:cNvCxnSpPr/>
+          <p:cNvCxnSpPr>
+            <a:cxnSpLocks/>
+          </p:cNvCxnSpPr>
           <p:nvPr/>
         </p:nvCxnSpPr>
         <p:spPr>
           <a:xfrm>
-            <a:off x="3760623" y="4669972"/>
-            <a:ext cx="3021177" cy="0"/>
+            <a:off x="3505200" y="3309648"/>
+            <a:ext cx="3657600" cy="0"/>
           </a:xfrm>
           <a:prstGeom prst="line">
             <a:avLst/>
@@ -4388,8 +4322,8 @@
         </p:nvCxnSpPr>
         <p:spPr>
           <a:xfrm flipV="1">
-            <a:off x="6553200" y="4669972"/>
-            <a:ext cx="0" cy="1371600"/>
+            <a:off x="6781800" y="3309648"/>
+            <a:ext cx="0" cy="2743200"/>
           </a:xfrm>
           <a:prstGeom prst="line">
             <a:avLst/>
@@ -4418,7 +4352,7 @@
         </p:nvSpPr>
         <p:spPr>
           <a:xfrm>
-            <a:off x="6284255" y="5171106"/>
+            <a:off x="6512853" y="4191002"/>
             <a:ext cx="551975" cy="369332"/>
           </a:xfrm>
           <a:prstGeom prst="rect">
@@ -4440,7 +4374,7 @@
                   <a:srgbClr val="0070C0"/>
                 </a:solidFill>
               </a:rPr>
-              <a:t>3 in</a:t>
+              <a:t>2 in</a:t>
             </a:r>
           </a:p>
         </p:txBody>
@@ -4453,7 +4387,7 @@
         </p:nvSpPr>
         <p:spPr>
           <a:xfrm>
-            <a:off x="2667000" y="6238296"/>
+            <a:off x="2419825" y="6238296"/>
             <a:ext cx="551975" cy="369332"/>
           </a:xfrm>
           <a:prstGeom prst="rect">
@@ -4475,7 +4409,7 @@
                   <a:srgbClr val="0070C0"/>
                 </a:solidFill>
               </a:rPr>
-              <a:t>3 in</a:t>
+              <a:t>1 in</a:t>
             </a:r>
           </a:p>
         </p:txBody>
@@ -4488,7 +4422,7 @@
         </p:nvSpPr>
         <p:spPr>
           <a:xfrm>
-            <a:off x="4705825" y="6237516"/>
+            <a:off x="4343400" y="6237516"/>
             <a:ext cx="551975" cy="369332"/>
           </a:xfrm>
           <a:prstGeom prst="rect">
@@ -4510,7 +4444,143 @@
                   <a:srgbClr val="0070C0"/>
                 </a:solidFill>
               </a:rPr>
-              <a:t>6 in</a:t>
+              <a:t>4 in</a:t>
+            </a:r>
+          </a:p>
+        </p:txBody>
+      </p:sp>
+      <p:sp>
+        <p:nvSpPr>
+          <p:cNvPr id="9" name="L-Shape 8"/>
+          <p:cNvSpPr/>
+          <p:nvPr/>
+        </p:nvSpPr>
+        <p:spPr>
+          <a:xfrm>
+            <a:off x="2219234" y="3309648"/>
+            <a:ext cx="4114800" cy="2743200"/>
+          </a:xfrm>
+          <a:prstGeom prst="corner">
+            <a:avLst>
+              <a:gd name="adj1" fmla="val 29365"/>
+              <a:gd name="adj2" fmla="val 36508"/>
+            </a:avLst>
+          </a:prstGeom>
+        </p:spPr>
+        <p:style>
+          <a:lnRef idx="1">
+            <a:schemeClr val="dk1"/>
+          </a:lnRef>
+          <a:fillRef idx="2">
+            <a:schemeClr val="dk1"/>
+          </a:fillRef>
+          <a:effectRef idx="1">
+            <a:schemeClr val="dk1"/>
+          </a:effectRef>
+          <a:fontRef idx="minor">
+            <a:schemeClr val="dk1"/>
+          </a:fontRef>
+        </p:style>
+        <p:txBody>
+          <a:bodyPr rtlCol="0" anchor="ctr"/>
+          <a:lstStyle/>
+          <a:p>
+            <a:pPr algn="ctr"/>
+            <a:endParaRPr lang="en-US"/>
+          </a:p>
+        </p:txBody>
+      </p:sp>
+      <p:cxnSp>
+        <p:nvCxnSpPr>
+          <p:cNvPr id="23" name="Straight Connector 22"/>
+          <p:cNvCxnSpPr/>
+          <p:nvPr/>
+        </p:nvCxnSpPr>
+        <p:spPr>
+          <a:xfrm>
+            <a:off x="3135086" y="6117772"/>
+            <a:ext cx="0" cy="594332"/>
+          </a:xfrm>
+          <a:prstGeom prst="line">
+            <a:avLst/>
+          </a:prstGeom>
+        </p:spPr>
+        <p:style>
+          <a:lnRef idx="1">
+            <a:schemeClr val="accent1"/>
+          </a:lnRef>
+          <a:fillRef idx="0">
+            <a:schemeClr val="accent1"/>
+          </a:fillRef>
+          <a:effectRef idx="0">
+            <a:schemeClr val="accent1"/>
+          </a:effectRef>
+          <a:fontRef idx="minor">
+            <a:schemeClr val="tx1"/>
+          </a:fontRef>
+        </p:style>
+      </p:cxnSp>
+      <p:cxnSp>
+        <p:nvCxnSpPr>
+          <p:cNvPr id="29" name="Straight Connector 28"/>
+          <p:cNvCxnSpPr/>
+          <p:nvPr/>
+        </p:nvCxnSpPr>
+        <p:spPr>
+          <a:xfrm>
+            <a:off x="6400800" y="5257800"/>
+            <a:ext cx="762000" cy="0"/>
+          </a:xfrm>
+          <a:prstGeom prst="line">
+            <a:avLst/>
+          </a:prstGeom>
+        </p:spPr>
+        <p:style>
+          <a:lnRef idx="1">
+            <a:schemeClr val="accent1"/>
+          </a:lnRef>
+          <a:fillRef idx="0">
+            <a:schemeClr val="accent1"/>
+          </a:fillRef>
+          <a:effectRef idx="0">
+            <a:schemeClr val="accent1"/>
+          </a:effectRef>
+          <a:fontRef idx="minor">
+            <a:schemeClr val="tx1"/>
+          </a:fontRef>
+        </p:style>
+      </p:cxnSp>
+      <p:sp>
+        <p:nvSpPr>
+          <p:cNvPr id="30" name="Rectangle 29"/>
+          <p:cNvSpPr/>
+          <p:nvPr/>
+        </p:nvSpPr>
+        <p:spPr>
+          <a:xfrm>
+            <a:off x="6509658" y="5498068"/>
+            <a:ext cx="551975" cy="369332"/>
+          </a:xfrm>
+          <a:prstGeom prst="rect">
+            <a:avLst/>
+          </a:prstGeom>
+          <a:solidFill>
+            <a:schemeClr val="bg1"/>
+          </a:solidFill>
+        </p:spPr>
+        <p:txBody>
+          <a:bodyPr wrap="square">
+            <a:spAutoFit/>
+          </a:bodyPr>
+          <a:lstStyle/>
+          <a:p>
+            <a:r>
+              <a:rPr lang="en-US" dirty="0">
+                <a:solidFill>
+                  <a:srgbClr val="0070C0"/>
+                </a:solidFill>
+              </a:rPr>
+              <a:t>1 in</a:t>
             </a:r>
           </a:p>
         </p:txBody>
@@ -4518,7 +4588,7 @@
     </p:spTree>
     <p:extLst>
       <p:ext uri="{BB962C8B-B14F-4D97-AF65-F5344CB8AC3E}">
-        <p14:creationId xmlns:p14="http://schemas.microsoft.com/office/powerpoint/2010/main" val="3158853481"/>
+        <p14:creationId xmlns:p14="http://schemas.microsoft.com/office/powerpoint/2010/main" val="1529476472"/>
       </p:ext>
     </p:extLst>
   </p:cSld>
@@ -5258,8 +5328,8 @@
           </a:p>
         </p:txBody>
       </p:sp>
-      <mc:AlternateContent xmlns:mc="http://schemas.openxmlformats.org/markup-compatibility/2006">
-        <mc:Choice xmlns:a14="http://schemas.microsoft.com/office/drawing/2010/main" Requires="a14">
+      <mc:AlternateContent xmlns:mc="http://schemas.openxmlformats.org/markup-compatibility/2006" xmlns:a14="http://schemas.microsoft.com/office/drawing/2010/main">
+        <mc:Choice Requires="a14">
           <p:sp>
             <p:nvSpPr>
               <p:cNvPr id="3" name="Content Placeholder 2"/>
@@ -5434,7 +5504,7 @@
             </p:txBody>
           </p:sp>
         </mc:Choice>
-        <mc:Fallback>
+        <mc:Fallback xmlns="">
           <p:sp>
             <p:nvSpPr>
               <p:cNvPr id="3" name="Content Placeholder 2"/>
@@ -5785,8 +5855,8 @@
           </a:p>
         </p:txBody>
       </p:sp>
-      <mc:AlternateContent xmlns:mc="http://schemas.openxmlformats.org/markup-compatibility/2006">
-        <mc:Choice xmlns:a14="http://schemas.microsoft.com/office/drawing/2010/main" Requires="a14">
+      <mc:AlternateContent xmlns:mc="http://schemas.openxmlformats.org/markup-compatibility/2006" xmlns:a14="http://schemas.microsoft.com/office/drawing/2010/main">
+        <mc:Choice Requires="a14">
           <p:sp>
             <p:nvSpPr>
               <p:cNvPr id="3" name="Content Placeholder 2"/>
@@ -6077,7 +6147,7 @@
             </p:txBody>
           </p:sp>
         </mc:Choice>
-        <mc:Fallback>
+        <mc:Fallback xmlns="">
           <p:sp>
             <p:nvSpPr>
               <p:cNvPr id="3" name="Content Placeholder 2"/>
@@ -9319,13 +9389,13 @@
         <p:spPr/>
         <p:txBody>
           <a:bodyPr>
-            <a:normAutofit fontScale="90000"/>
+            <a:normAutofit/>
           </a:bodyPr>
           <a:lstStyle/>
           <a:p>
             <a:r>
               <a:rPr lang="en-US" dirty="0"/>
-              <a:t>Finding the Centroid Worked Example</a:t>
+              <a:t>Centroid Worked Example</a:t>
             </a:r>
           </a:p>
         </p:txBody>
@@ -9417,7 +9487,7 @@
         </p:nvSpPr>
         <p:spPr>
           <a:xfrm>
-            <a:off x="2133602" y="2438400"/>
+            <a:off x="2062452" y="2895600"/>
             <a:ext cx="288862" cy="369332"/>
           </a:xfrm>
           <a:prstGeom prst="rect">
@@ -9479,8 +9549,8 @@
         </p:nvCxnSpPr>
         <p:spPr>
           <a:xfrm flipV="1">
-            <a:off x="2198916" y="3080266"/>
-            <a:ext cx="10884" cy="2993574"/>
+            <a:off x="2198916" y="3266106"/>
+            <a:ext cx="0" cy="2807733"/>
           </a:xfrm>
           <a:prstGeom prst="straightConnector1">
             <a:avLst/>
@@ -9504,6 +9574,46 @@
           </a:fontRef>
         </p:style>
       </p:cxnSp>
+      <p:sp>
+        <p:nvSpPr>
+          <p:cNvPr id="11" name="Isosceles Triangle 10"/>
+          <p:cNvSpPr/>
+          <p:nvPr/>
+        </p:nvSpPr>
+        <p:spPr>
+          <a:xfrm>
+            <a:off x="2206883" y="4669972"/>
+            <a:ext cx="4114800" cy="1371600"/>
+          </a:xfrm>
+          <a:prstGeom prst="triangle">
+            <a:avLst>
+              <a:gd name="adj" fmla="val 33547"/>
+            </a:avLst>
+          </a:prstGeom>
+        </p:spPr>
+        <p:style>
+          <a:lnRef idx="1">
+            <a:schemeClr val="dk1"/>
+          </a:lnRef>
+          <a:fillRef idx="2">
+            <a:schemeClr val="dk1"/>
+          </a:fillRef>
+          <a:effectRef idx="1">
+            <a:schemeClr val="dk1"/>
+          </a:effectRef>
+          <a:fontRef idx="minor">
+            <a:schemeClr val="dk1"/>
+          </a:fontRef>
+        </p:style>
+        <p:txBody>
+          <a:bodyPr rtlCol="0" anchor="ctr"/>
+          <a:lstStyle/>
+          <a:p>
+            <a:pPr algn="ctr"/>
+            <a:endParaRPr lang="en-US"/>
+          </a:p>
+        </p:txBody>
+      </p:sp>
       <p:cxnSp>
         <p:nvCxnSpPr>
           <p:cNvPr id="13" name="Straight Connector 12"/>
@@ -9511,9 +9621,9 @@
           <p:nvPr/>
         </p:nvCxnSpPr>
         <p:spPr>
-          <a:xfrm>
+          <a:xfrm flipV="1">
             <a:off x="2209800" y="6408434"/>
-            <a:ext cx="2710542" cy="0"/>
+            <a:ext cx="4111883" cy="0"/>
           </a:xfrm>
           <a:prstGeom prst="line">
             <a:avLst/>
@@ -9566,13 +9676,43 @@
       </p:cxnSp>
       <p:cxnSp>
         <p:nvCxnSpPr>
+          <p:cNvPr id="17" name="Straight Connector 16"/>
+          <p:cNvCxnSpPr/>
+          <p:nvPr/>
+        </p:nvCxnSpPr>
+        <p:spPr>
+          <a:xfrm>
+            <a:off x="3592286" y="4800600"/>
+            <a:ext cx="0" cy="1905000"/>
+          </a:xfrm>
+          <a:prstGeom prst="line">
+            <a:avLst/>
+          </a:prstGeom>
+        </p:spPr>
+        <p:style>
+          <a:lnRef idx="1">
+            <a:schemeClr val="accent1"/>
+          </a:lnRef>
+          <a:fillRef idx="0">
+            <a:schemeClr val="accent1"/>
+          </a:fillRef>
+          <a:effectRef idx="0">
+            <a:schemeClr val="accent1"/>
+          </a:effectRef>
+          <a:fontRef idx="minor">
+            <a:schemeClr val="tx1"/>
+          </a:fontRef>
+        </p:style>
+      </p:cxnSp>
+      <p:cxnSp>
+        <p:nvCxnSpPr>
           <p:cNvPr id="19" name="Straight Connector 18"/>
           <p:cNvCxnSpPr/>
           <p:nvPr/>
         </p:nvCxnSpPr>
         <p:spPr>
           <a:xfrm>
-            <a:off x="4920342" y="6125796"/>
+            <a:off x="6321683" y="6111268"/>
             <a:ext cx="0" cy="594332"/>
           </a:xfrm>
           <a:prstGeom prst="line">
@@ -9602,8 +9742,8 @@
         </p:nvCxnSpPr>
         <p:spPr>
           <a:xfrm>
-            <a:off x="3379623" y="3309648"/>
-            <a:ext cx="2563977" cy="0"/>
+            <a:off x="3760623" y="4669972"/>
+            <a:ext cx="3021177" cy="0"/>
           </a:xfrm>
           <a:prstGeom prst="line">
             <a:avLst/>
@@ -9632,8 +9772,8 @@
         </p:nvCxnSpPr>
         <p:spPr>
           <a:xfrm flipV="1">
-            <a:off x="5562600" y="3309648"/>
-            <a:ext cx="0" cy="2743200"/>
+            <a:off x="6553200" y="4669972"/>
+            <a:ext cx="0" cy="1371600"/>
           </a:xfrm>
           <a:prstGeom prst="line">
             <a:avLst/>
@@ -9662,8 +9802,8 @@
         </p:nvSpPr>
         <p:spPr>
           <a:xfrm>
-            <a:off x="5293653" y="4191002"/>
-            <a:ext cx="551975" cy="369332"/>
+            <a:off x="6284255" y="5171106"/>
+            <a:ext cx="660829" cy="369332"/>
           </a:xfrm>
           <a:prstGeom prst="rect">
             <a:avLst/>
@@ -9684,7 +9824,7 @@
                   <a:srgbClr val="0070C0"/>
                 </a:solidFill>
               </a:rPr>
-              <a:t>2 in</a:t>
+              <a:t>3 cm</a:t>
             </a:r>
           </a:p>
         </p:txBody>
@@ -9697,8 +9837,8 @@
         </p:nvSpPr>
         <p:spPr>
           <a:xfrm>
-            <a:off x="2419825" y="6238296"/>
-            <a:ext cx="551975" cy="369332"/>
+            <a:off x="2667000" y="6238296"/>
+            <a:ext cx="693770" cy="369332"/>
           </a:xfrm>
           <a:prstGeom prst="rect">
             <a:avLst/>
@@ -9719,7 +9859,7 @@
                   <a:srgbClr val="0070C0"/>
                 </a:solidFill>
               </a:rPr>
-              <a:t>1 in</a:t>
+              <a:t>3 cm</a:t>
             </a:r>
           </a:p>
         </p:txBody>
@@ -9732,8 +9872,8 @@
         </p:nvSpPr>
         <p:spPr>
           <a:xfrm>
-            <a:off x="3810000" y="6237516"/>
-            <a:ext cx="551975" cy="369332"/>
+            <a:off x="4705825" y="6237516"/>
+            <a:ext cx="704375" cy="369332"/>
           </a:xfrm>
           <a:prstGeom prst="rect">
             <a:avLst/>
@@ -9754,143 +9894,7 @@
                   <a:srgbClr val="0070C0"/>
                 </a:solidFill>
               </a:rPr>
-              <a:t>2 in</a:t>
-            </a:r>
-          </a:p>
-        </p:txBody>
-      </p:sp>
-      <p:sp>
-        <p:nvSpPr>
-          <p:cNvPr id="9" name="L-Shape 8"/>
-          <p:cNvSpPr/>
-          <p:nvPr/>
-        </p:nvSpPr>
-        <p:spPr>
-          <a:xfrm>
-            <a:off x="2198916" y="3309648"/>
-            <a:ext cx="2743200" cy="2743200"/>
-          </a:xfrm>
-          <a:prstGeom prst="corner">
-            <a:avLst>
-              <a:gd name="adj1" fmla="val 29365"/>
-              <a:gd name="adj2" fmla="val 36508"/>
-            </a:avLst>
-          </a:prstGeom>
-        </p:spPr>
-        <p:style>
-          <a:lnRef idx="1">
-            <a:schemeClr val="dk1"/>
-          </a:lnRef>
-          <a:fillRef idx="2">
-            <a:schemeClr val="dk1"/>
-          </a:fillRef>
-          <a:effectRef idx="1">
-            <a:schemeClr val="dk1"/>
-          </a:effectRef>
-          <a:fontRef idx="minor">
-            <a:schemeClr val="dk1"/>
-          </a:fontRef>
-        </p:style>
-        <p:txBody>
-          <a:bodyPr rtlCol="0" anchor="ctr"/>
-          <a:lstStyle/>
-          <a:p>
-            <a:pPr algn="ctr"/>
-            <a:endParaRPr lang="en-US"/>
-          </a:p>
-        </p:txBody>
-      </p:sp>
-      <p:cxnSp>
-        <p:nvCxnSpPr>
-          <p:cNvPr id="23" name="Straight Connector 22"/>
-          <p:cNvCxnSpPr/>
-          <p:nvPr/>
-        </p:nvCxnSpPr>
-        <p:spPr>
-          <a:xfrm>
-            <a:off x="3135086" y="6117772"/>
-            <a:ext cx="0" cy="594332"/>
-          </a:xfrm>
-          <a:prstGeom prst="line">
-            <a:avLst/>
-          </a:prstGeom>
-        </p:spPr>
-        <p:style>
-          <a:lnRef idx="1">
-            <a:schemeClr val="accent1"/>
-          </a:lnRef>
-          <a:fillRef idx="0">
-            <a:schemeClr val="accent1"/>
-          </a:fillRef>
-          <a:effectRef idx="0">
-            <a:schemeClr val="accent1"/>
-          </a:effectRef>
-          <a:fontRef idx="minor">
-            <a:schemeClr val="tx1"/>
-          </a:fontRef>
-        </p:style>
-      </p:cxnSp>
-      <p:cxnSp>
-        <p:nvCxnSpPr>
-          <p:cNvPr id="29" name="Straight Connector 28"/>
-          <p:cNvCxnSpPr/>
-          <p:nvPr/>
-        </p:nvCxnSpPr>
-        <p:spPr>
-          <a:xfrm>
-            <a:off x="5105400" y="5257800"/>
-            <a:ext cx="762000" cy="0"/>
-          </a:xfrm>
-          <a:prstGeom prst="line">
-            <a:avLst/>
-          </a:prstGeom>
-        </p:spPr>
-        <p:style>
-          <a:lnRef idx="1">
-            <a:schemeClr val="accent1"/>
-          </a:lnRef>
-          <a:fillRef idx="0">
-            <a:schemeClr val="accent1"/>
-          </a:fillRef>
-          <a:effectRef idx="0">
-            <a:schemeClr val="accent1"/>
-          </a:effectRef>
-          <a:fontRef idx="minor">
-            <a:schemeClr val="tx1"/>
-          </a:fontRef>
-        </p:style>
-      </p:cxnSp>
-      <p:sp>
-        <p:nvSpPr>
-          <p:cNvPr id="30" name="Rectangle 29"/>
-          <p:cNvSpPr/>
-          <p:nvPr/>
-        </p:nvSpPr>
-        <p:spPr>
-          <a:xfrm>
-            <a:off x="5290458" y="5498068"/>
-            <a:ext cx="551975" cy="369332"/>
-          </a:xfrm>
-          <a:prstGeom prst="rect">
-            <a:avLst/>
-          </a:prstGeom>
-          <a:solidFill>
-            <a:schemeClr val="bg1"/>
-          </a:solidFill>
-        </p:spPr>
-        <p:txBody>
-          <a:bodyPr wrap="square">
-            <a:spAutoFit/>
-          </a:bodyPr>
-          <a:lstStyle/>
-          <a:p>
-            <a:r>
-              <a:rPr lang="en-US" dirty="0">
-                <a:solidFill>
-                  <a:srgbClr val="0070C0"/>
-                </a:solidFill>
-              </a:rPr>
-              <a:t>1 in</a:t>
+              <a:t>6 cm</a:t>
             </a:r>
           </a:p>
         </p:txBody>
@@ -9898,7 +9902,7 @@
     </p:spTree>
     <p:extLst>
       <p:ext uri="{BB962C8B-B14F-4D97-AF65-F5344CB8AC3E}">
-        <p14:creationId xmlns:p14="http://schemas.microsoft.com/office/powerpoint/2010/main" val="1529476472"/>
+        <p14:creationId xmlns:p14="http://schemas.microsoft.com/office/powerpoint/2010/main" val="3158853481"/>
       </p:ext>
     </p:extLst>
   </p:cSld>
@@ -10479,6 +10483,21 @@
 </file>
 
 <file path=customXml/item1.xml><?xml version="1.0" encoding="utf-8"?>
+<p:properties xmlns:p="http://schemas.microsoft.com/office/2006/metadata/properties" xmlns:xsi="http://www.w3.org/2001/XMLSchema-instance" xmlns:pc="http://schemas.microsoft.com/office/infopath/2007/PartnerControls">
+  <documentManagement/>
+</p:properties>
+</file>
+
+<file path=customXml/item2.xml><?xml version="1.0" encoding="utf-8"?>
+<?mso-contentType ?>
+<FormTemplates xmlns="http://schemas.microsoft.com/sharepoint/v3/contenttype/forms">
+  <Display>DocumentLibraryForm</Display>
+  <Edit>DocumentLibraryForm</Edit>
+  <New>DocumentLibraryForm</New>
+</FormTemplates>
+</file>
+
+<file path=customXml/item3.xml><?xml version="1.0" encoding="utf-8"?>
 <ct:contentTypeSchema xmlns:ct="http://schemas.microsoft.com/office/2006/metadata/contentType" xmlns:ma="http://schemas.microsoft.com/office/2006/metadata/properties/metaAttributes" ct:_="" ma:_="" ma:contentTypeName="Document" ma:contentTypeID="0x010100A06DF21F5BB2734A800ED30F3F452129" ma:contentTypeVersion="12" ma:contentTypeDescription="Create a new document." ma:contentTypeScope="" ma:versionID="544d96a5fbac5de9d5d902b535c73fb2">
   <xsd:schema xmlns:xsd="http://www.w3.org/2001/XMLSchema" xmlns:xs="http://www.w3.org/2001/XMLSchema" xmlns:p="http://schemas.microsoft.com/office/2006/metadata/properties" xmlns:ns3="90d05cb5-950f-4f68-bc2c-e17794455b92" xmlns:ns4="b4eab9fa-dbb0-4082-8491-8bd54207a265" targetNamespace="http://schemas.microsoft.com/office/2006/metadata/properties" ma:root="true" ma:fieldsID="7a710efc71c2169bf9c05e5a40dddf12" ns3:_="" ns4:_="">
     <xsd:import namespace="90d05cb5-950f-4f68-bc2c-e17794455b92"/>
@@ -10695,22 +10714,32 @@
 </ct:contentTypeSchema>
 </file>
 
-<file path=customXml/item2.xml><?xml version="1.0" encoding="utf-8"?>
-<?mso-contentType ?>
-<FormTemplates xmlns="http://schemas.microsoft.com/sharepoint/v3/contenttype/forms">
-  <Display>DocumentLibraryForm</Display>
-  <Edit>DocumentLibraryForm</Edit>
-  <New>DocumentLibraryForm</New>
-</FormTemplates>
+<file path=customXml/itemProps1.xml><?xml version="1.0" encoding="utf-8"?>
+<ds:datastoreItem xmlns:ds="http://schemas.openxmlformats.org/officeDocument/2006/customXml" ds:itemID="{52EB1464-66D1-425A-BBB5-7A9312BBE9C4}">
+  <ds:schemaRefs>
+    <ds:schemaRef ds:uri="b4eab9fa-dbb0-4082-8491-8bd54207a265"/>
+    <ds:schemaRef ds:uri="http://purl.org/dc/elements/1.1/"/>
+    <ds:schemaRef ds:uri="http://schemas.microsoft.com/office/2006/metadata/properties"/>
+    <ds:schemaRef ds:uri="http://purl.org/dc/terms/"/>
+    <ds:schemaRef ds:uri="http://schemas.microsoft.com/office/infopath/2007/PartnerControls"/>
+    <ds:schemaRef ds:uri="http://schemas.microsoft.com/office/2006/documentManagement/types"/>
+    <ds:schemaRef ds:uri="http://schemas.openxmlformats.org/package/2006/metadata/core-properties"/>
+    <ds:schemaRef ds:uri="90d05cb5-950f-4f68-bc2c-e17794455b92"/>
+    <ds:schemaRef ds:uri="http://www.w3.org/XML/1998/namespace"/>
+    <ds:schemaRef ds:uri="http://purl.org/dc/dcmitype/"/>
+  </ds:schemaRefs>
+</ds:datastoreItem>
 </file>
 
-<file path=customXml/item3.xml><?xml version="1.0" encoding="utf-8"?>
-<p:properties xmlns:p="http://schemas.microsoft.com/office/2006/metadata/properties" xmlns:xsi="http://www.w3.org/2001/XMLSchema-instance" xmlns:pc="http://schemas.microsoft.com/office/infopath/2007/PartnerControls">
-  <documentManagement/>
-</p:properties>
+<file path=customXml/itemProps2.xml><?xml version="1.0" encoding="utf-8"?>
+<ds:datastoreItem xmlns:ds="http://schemas.openxmlformats.org/officeDocument/2006/customXml" ds:itemID="{F5CF5F32-56DC-4068-8B04-457CF34A96F3}">
+  <ds:schemaRefs>
+    <ds:schemaRef ds:uri="http://schemas.microsoft.com/sharepoint/v3/contenttype/forms"/>
+  </ds:schemaRefs>
+</ds:datastoreItem>
 </file>
 
-<file path=customXml/itemProps1.xml><?xml version="1.0" encoding="utf-8"?>
+<file path=customXml/itemProps3.xml><?xml version="1.0" encoding="utf-8"?>
 <ds:datastoreItem xmlns:ds="http://schemas.openxmlformats.org/officeDocument/2006/customXml" ds:itemID="{A43B8A4B-79FE-4529-931C-D64224FA70E3}">
   <ds:schemaRefs>
     <ds:schemaRef ds:uri="http://schemas.microsoft.com/office/2006/metadata/contentType"/>
@@ -10727,29 +10756,4 @@
     <ds:schemaRef ds:uri="http://schemas.microsoft.com/internal/obd"/>
   </ds:schemaRefs>
 </ds:datastoreItem>
-</file>
-
-<file path=customXml/itemProps2.xml><?xml version="1.0" encoding="utf-8"?>
-<ds:datastoreItem xmlns:ds="http://schemas.openxmlformats.org/officeDocument/2006/customXml" ds:itemID="{F5CF5F32-56DC-4068-8B04-457CF34A96F3}">
-  <ds:schemaRefs>
-    <ds:schemaRef ds:uri="http://schemas.microsoft.com/sharepoint/v3/contenttype/forms"/>
-  </ds:schemaRefs>
-</ds:datastoreItem>
-</file>
-
-<file path=customXml/itemProps3.xml><?xml version="1.0" encoding="utf-8"?>
-<ds:datastoreItem xmlns:ds="http://schemas.openxmlformats.org/officeDocument/2006/customXml" ds:itemID="{52EB1464-66D1-425A-BBB5-7A9312BBE9C4}">
-  <ds:schemaRefs>
-    <ds:schemaRef ds:uri="b4eab9fa-dbb0-4082-8491-8bd54207a265"/>
-    <ds:schemaRef ds:uri="http://purl.org/dc/elements/1.1/"/>
-    <ds:schemaRef ds:uri="http://schemas.microsoft.com/office/2006/metadata/properties"/>
-    <ds:schemaRef ds:uri="http://purl.org/dc/terms/"/>
-    <ds:schemaRef ds:uri="http://schemas.microsoft.com/office/infopath/2007/PartnerControls"/>
-    <ds:schemaRef ds:uri="http://schemas.microsoft.com/office/2006/documentManagement/types"/>
-    <ds:schemaRef ds:uri="http://schemas.openxmlformats.org/package/2006/metadata/core-properties"/>
-    <ds:schemaRef ds:uri="90d05cb5-950f-4f68-bc2c-e17794455b92"/>
-    <ds:schemaRef ds:uri="http://www.w3.org/XML/1998/namespace"/>
-    <ds:schemaRef ds:uri="http://purl.org/dc/dcmitype/"/>
-  </ds:schemaRefs>
-</ds:datastoreItem>
 </file>